--- a/slides/challenge.pptx
+++ b/slides/challenge.pptx
@@ -4710,8 +4710,13 @@
             </a:pPr>
             <a:r>
               <a:rPr lang="ru-RU" dirty="0" smtClean="0"/>
-              <a:t>Тесты по спецификации — это просто</a:t>
-            </a:r>
+              <a:t>Тесты по спецификации — это </a:t>
+            </a:r>
+            <a:r>
+              <a:rPr lang="ru-RU" dirty="0" smtClean="0"/>
+              <a:t>просто</a:t>
+            </a:r>
+            <a:endParaRPr lang="en-US" dirty="0" smtClean="0"/>
           </a:p>
           <a:p>
             <a:pPr marL="514350" indent="-514350">
@@ -4720,8 +4725,17 @@
             </a:pPr>
             <a:r>
               <a:rPr lang="ru-RU" dirty="0" smtClean="0"/>
-              <a:t>Про тесты на производительность вспомнить труднее</a:t>
-            </a:r>
+              <a:t>Про взаимодействие разных пунктов спецификации подумать трудно (</a:t>
+            </a:r>
+            <a:r>
+              <a:rPr lang="en-US" dirty="0" smtClean="0"/>
+              <a:t>B</a:t>
+            </a:r>
+            <a:r>
+              <a:rPr lang="ru-RU" dirty="0" smtClean="0"/>
+              <a:t>)</a:t>
+            </a:r>
+            <a:endParaRPr lang="ru-RU" dirty="0" smtClean="0"/>
           </a:p>
           <a:p>
             <a:pPr marL="514350" indent="-514350">
@@ -4730,20 +4744,21 @@
             </a:pPr>
             <a:r>
               <a:rPr lang="ru-RU" dirty="0" smtClean="0"/>
-              <a:t>Тесты не заменяют </a:t>
+              <a:t>Про тесты на производительность вспомнить </a:t>
+            </a:r>
+            <a:r>
+              <a:rPr lang="ru-RU" dirty="0" smtClean="0"/>
+              <a:t>труднее</a:t>
             </a:r>
             <a:r>
               <a:rPr lang="en-US" dirty="0" smtClean="0"/>
-              <a:t>Code Review</a:t>
+              <a:t> </a:t>
             </a:r>
             <a:r>
               <a:rPr lang="ru-RU" dirty="0" smtClean="0"/>
-              <a:t> (</a:t>
-            </a:r>
-            <a:r>
-              <a:rPr lang="en-US" dirty="0" smtClean="0"/>
-              <a:t>STA)</a:t>
-            </a:r>
+              <a:t>(98, 99)</a:t>
+            </a:r>
+            <a:endParaRPr lang="ru-RU" dirty="0" smtClean="0"/>
           </a:p>
           <a:p>
             <a:pPr marL="514350" indent="-514350">
@@ -4751,15 +4766,37 @@
               <a:buAutoNum type="arabicPeriod"/>
             </a:pPr>
             <a:r>
+              <a:rPr lang="ru-RU" dirty="0" smtClean="0"/>
+              <a:t>Тесты не заменяют </a:t>
+            </a:r>
+            <a:r>
               <a:rPr lang="en-US" dirty="0" smtClean="0"/>
               <a:t>Code Review</a:t>
             </a:r>
             <a:r>
               <a:rPr lang="ru-RU" dirty="0" smtClean="0"/>
+              <a:t> (</a:t>
+            </a:r>
+            <a:r>
+              <a:rPr lang="en-US" dirty="0" smtClean="0"/>
+              <a:t>STA)</a:t>
+            </a:r>
+          </a:p>
+          <a:p>
+            <a:pPr marL="514350" indent="-514350">
+              <a:buFont typeface="+mj-lt"/>
+              <a:buAutoNum type="arabicPeriod"/>
+            </a:pPr>
+            <a:r>
+              <a:rPr lang="en-US" dirty="0" smtClean="0"/>
+              <a:t>Code Review</a:t>
+            </a:r>
+            <a:r>
+              <a:rPr lang="ru-RU" dirty="0" smtClean="0"/>
               <a:t> не заменяет тесты</a:t>
             </a:r>
             <a:r>
-              <a:rPr lang="en-US" smtClean="0"/>
+              <a:rPr lang="en-US" dirty="0" smtClean="0"/>
               <a:t> (CR)</a:t>
             </a:r>
             <a:endParaRPr lang="ru-RU" dirty="0"/>
@@ -4960,6 +4997,55 @@
                                           <p:spTgt spid="3">
                                             <p:txEl>
                                               <p:pRg st="3" end="3"/>
+                                            </p:txEl>
+                                          </p:spTgt>
+                                        </p:tgtEl>
+                                        <p:attrNameLst>
+                                          <p:attrName>style.visibility</p:attrName>
+                                        </p:attrNameLst>
+                                      </p:cBhvr>
+                                      <p:to>
+                                        <p:strVal val="visible"/>
+                                      </p:to>
+                                    </p:set>
+                                  </p:childTnLst>
+                                </p:cTn>
+                              </p:par>
+                            </p:childTnLst>
+                          </p:cTn>
+                        </p:par>
+                      </p:childTnLst>
+                    </p:cTn>
+                  </p:par>
+                  <p:par>
+                    <p:cTn id="19" fill="hold">
+                      <p:stCondLst>
+                        <p:cond delay="indefinite"/>
+                      </p:stCondLst>
+                      <p:childTnLst>
+                        <p:par>
+                          <p:cTn id="20" fill="hold">
+                            <p:stCondLst>
+                              <p:cond delay="0"/>
+                            </p:stCondLst>
+                            <p:childTnLst>
+                              <p:par>
+                                <p:cTn id="21" presetID="1" presetClass="entr" presetSubtype="0" fill="hold" grpId="0" nodeType="clickEffect">
+                                  <p:stCondLst>
+                                    <p:cond delay="0"/>
+                                  </p:stCondLst>
+                                  <p:childTnLst>
+                                    <p:set>
+                                      <p:cBhvr>
+                                        <p:cTn id="22" dur="1" fill="hold">
+                                          <p:stCondLst>
+                                            <p:cond delay="0"/>
+                                          </p:stCondLst>
+                                        </p:cTn>
+                                        <p:tgtEl>
+                                          <p:spTgt spid="3">
+                                            <p:txEl>
+                                              <p:pRg st="4" end="4"/>
                                             </p:txEl>
                                           </p:spTgt>
                                         </p:tgtEl>
